--- a/M10515028_final.pptx
+++ b/M10515028_final.pptx
@@ -3882,14 +3882,7 @@
                 <a:latin typeface="Times New Roman" panose="02020603050405020304" pitchFamily="18" charset="0"/>
                 <a:cs typeface="Times New Roman" panose="02020603050405020304" pitchFamily="18" charset="0"/>
               </a:rPr>
-              <a:t> </a:t>
-            </a:r>
-            <a:r>
-              <a:rPr lang="en-US" altLang="zh-TW" dirty="0" smtClean="0">
-                <a:latin typeface="Times New Roman" panose="02020603050405020304" pitchFamily="18" charset="0"/>
-                <a:cs typeface="Times New Roman" panose="02020603050405020304" pitchFamily="18" charset="0"/>
-              </a:rPr>
-              <a:t>Mao</a:t>
+              <a:t> Mao</a:t>
             </a:r>
           </a:p>
           <a:p>
@@ -3937,10 +3930,6 @@
               </a:rPr>
               <a:t>Project repo </a:t>
             </a:r>
-            <a:endParaRPr lang="en-US" altLang="zh-TW" dirty="0" smtClean="0">
-              <a:latin typeface="GungsuhChe" panose="02030609000101010101" pitchFamily="49" charset="-127"/>
-              <a:ea typeface="GungsuhChe" panose="02030609000101010101" pitchFamily="49" charset="-127"/>
-            </a:endParaRPr>
           </a:p>
           <a:p>
             <a:r>
@@ -4215,14 +4204,7 @@
                 <a:latin typeface="Times New Roman" panose="02020603050405020304" pitchFamily="18" charset="0"/>
                 <a:cs typeface="Times New Roman" panose="02020603050405020304" pitchFamily="18" charset="0"/>
               </a:rPr>
-              <a:t>─visualization: </a:t>
-            </a:r>
-            <a:r>
-              <a:rPr lang="en-US" altLang="zh-TW" dirty="0">
-                <a:latin typeface="Times New Roman" panose="02020603050405020304" pitchFamily="18" charset="0"/>
-                <a:cs typeface="Times New Roman" panose="02020603050405020304" pitchFamily="18" charset="0"/>
-              </a:rPr>
-              <a:t>#comments/each </a:t>
+              <a:t>─visualization: #comments/each </a:t>
             </a:r>
             <a:r>
               <a:rPr lang="en-US" altLang="zh-TW" dirty="0" smtClean="0">
@@ -4354,26 +4336,8 @@
                 <a:latin typeface="Times New Roman" panose="02020603050405020304" pitchFamily="18" charset="0"/>
                 <a:cs typeface="Times New Roman" panose="02020603050405020304" pitchFamily="18" charset="0"/>
               </a:rPr>
-              <a:t>─visualization</a:t>
-            </a:r>
-            <a:r>
-              <a:rPr lang="en-US" altLang="zh-TW" dirty="0">
-                <a:latin typeface="Times New Roman" panose="02020603050405020304" pitchFamily="18" charset="0"/>
-                <a:cs typeface="Times New Roman" panose="02020603050405020304" pitchFamily="18" charset="0"/>
-              </a:rPr>
-              <a:t>: #post per </a:t>
-            </a:r>
-            <a:r>
-              <a:rPr lang="en-US" altLang="zh-TW" dirty="0">
-                <a:latin typeface="Times New Roman" panose="02020603050405020304" pitchFamily="18" charset="0"/>
-                <a:cs typeface="Times New Roman" panose="02020603050405020304" pitchFamily="18" charset="0"/>
-              </a:rPr>
-              <a:t>month</a:t>
-            </a:r>
-            <a:endParaRPr lang="en-US" altLang="zh-TW" dirty="0">
-              <a:latin typeface="Times New Roman" panose="02020603050405020304" pitchFamily="18" charset="0"/>
-              <a:cs typeface="Times New Roman" panose="02020603050405020304" pitchFamily="18" charset="0"/>
-            </a:endParaRPr>
+              <a:t>─visualization: #post per month</a:t>
+            </a:r>
           </a:p>
         </p:txBody>
       </p:sp>
@@ -4546,180 +4510,646 @@
           </a:p>
         </p:txBody>
       </p:sp>
-      <p:sp>
-        <p:nvSpPr>
-          <p:cNvPr id="3" name="直排文字版面配置區 2"/>
-          <p:cNvSpPr>
-            <a:spLocks noGrp="1"/>
-          </p:cNvSpPr>
-          <p:nvPr>
-            <p:ph type="body" orient="vert" idx="1"/>
-          </p:nvPr>
-        </p:nvSpPr>
-        <p:spPr>
-          <a:xfrm>
-            <a:off x="1097280" y="2067790"/>
-            <a:ext cx="10058400" cy="3801303"/>
-          </a:xfrm>
-        </p:spPr>
-        <p:txBody>
-          <a:bodyPr vert="horz">
-            <a:normAutofit/>
-          </a:bodyPr>
-          <a:lstStyle/>
-          <a:p>
-            <a:pPr>
-              <a:buFont typeface="Calibri" panose="020F0502020204030204" pitchFamily="34" charset="0"/>
-              <a:buChar char="•"/>
-            </a:pPr>
-            <a:r>
-              <a:rPr lang="en-US" altLang="zh-TW" sz="2800" dirty="0" smtClean="0">
-                <a:latin typeface="Times New Roman" panose="02020603050405020304" pitchFamily="18" charset="0"/>
-                <a:cs typeface="Times New Roman" panose="02020603050405020304" pitchFamily="18" charset="0"/>
-              </a:rPr>
-              <a:t> Twitter count</a:t>
-            </a:r>
-          </a:p>
-          <a:p>
-            <a:pPr>
-              <a:buFont typeface="Calibri" panose="020F0502020204030204" pitchFamily="34" charset="0"/>
-              <a:buChar char="•"/>
-            </a:pPr>
-            <a:r>
-              <a:rPr lang="en-US" altLang="zh-TW" sz="2800" dirty="0" smtClean="0">
-                <a:latin typeface="Times New Roman" panose="02020603050405020304" pitchFamily="18" charset="0"/>
-                <a:cs typeface="Times New Roman" panose="02020603050405020304" pitchFamily="18" charset="0"/>
-              </a:rPr>
-              <a:t> Tweet count</a:t>
-            </a:r>
-          </a:p>
-          <a:p>
-            <a:pPr>
-              <a:buFont typeface="Calibri" panose="020F0502020204030204" pitchFamily="34" charset="0"/>
-              <a:buChar char="•"/>
-            </a:pPr>
-            <a:r>
-              <a:rPr lang="en-US" altLang="zh-TW" sz="2800" dirty="0" smtClean="0">
-                <a:latin typeface="Times New Roman" panose="02020603050405020304" pitchFamily="18" charset="0"/>
-                <a:cs typeface="Times New Roman" panose="02020603050405020304" pitchFamily="18" charset="0"/>
-              </a:rPr>
-              <a:t> Bar chart of twitter count in month</a:t>
-            </a:r>
-          </a:p>
-          <a:p>
-            <a:pPr>
-              <a:buFont typeface="Calibri" panose="020F0502020204030204" pitchFamily="34" charset="0"/>
-              <a:buChar char="•"/>
-            </a:pPr>
-            <a:r>
-              <a:rPr lang="en-US" altLang="zh-TW" sz="2800" dirty="0">
-                <a:latin typeface="Times New Roman" panose="02020603050405020304" pitchFamily="18" charset="0"/>
-                <a:cs typeface="Times New Roman" panose="02020603050405020304" pitchFamily="18" charset="0"/>
-              </a:rPr>
-              <a:t> </a:t>
-            </a:r>
-            <a:r>
-              <a:rPr lang="en-US" altLang="zh-TW" sz="2800" dirty="0" smtClean="0">
-                <a:latin typeface="Times New Roman" panose="02020603050405020304" pitchFamily="18" charset="0"/>
-                <a:cs typeface="Times New Roman" panose="02020603050405020304" pitchFamily="18" charset="0"/>
-              </a:rPr>
-              <a:t>Bar chart of tweet count in month</a:t>
-            </a:r>
-          </a:p>
-          <a:p>
-            <a:pPr>
-              <a:buFont typeface="Calibri" panose="020F0502020204030204" pitchFamily="34" charset="0"/>
-              <a:buChar char="•"/>
-            </a:pPr>
-            <a:r>
-              <a:rPr lang="en-US" altLang="zh-TW" sz="2800" dirty="0">
-                <a:latin typeface="Times New Roman" panose="02020603050405020304" pitchFamily="18" charset="0"/>
-                <a:cs typeface="Times New Roman" panose="02020603050405020304" pitchFamily="18" charset="0"/>
-              </a:rPr>
-              <a:t> </a:t>
-            </a:r>
-            <a:r>
-              <a:rPr lang="en-US" altLang="zh-TW" sz="2800" dirty="0" smtClean="0">
-                <a:latin typeface="Times New Roman" panose="02020603050405020304" pitchFamily="18" charset="0"/>
-                <a:cs typeface="Times New Roman" panose="02020603050405020304" pitchFamily="18" charset="0"/>
-              </a:rPr>
-              <a:t>Pie chart of exist-</a:t>
-            </a:r>
-            <a:r>
-              <a:rPr lang="en-US" altLang="zh-TW" sz="2800" dirty="0" err="1" smtClean="0">
-                <a:latin typeface="Times New Roman" panose="02020603050405020304" pitchFamily="18" charset="0"/>
-                <a:cs typeface="Times New Roman" panose="02020603050405020304" pitchFamily="18" charset="0"/>
-              </a:rPr>
-              <a:t>url</a:t>
-            </a:r>
-            <a:r>
-              <a:rPr lang="en-US" altLang="zh-TW" sz="2800" dirty="0" smtClean="0">
-                <a:latin typeface="Times New Roman" panose="02020603050405020304" pitchFamily="18" charset="0"/>
-                <a:cs typeface="Times New Roman" panose="02020603050405020304" pitchFamily="18" charset="0"/>
-              </a:rPr>
-              <a:t> &amp; no-</a:t>
-            </a:r>
-            <a:r>
-              <a:rPr lang="en-US" altLang="zh-TW" sz="2800" dirty="0" err="1" smtClean="0">
-                <a:latin typeface="Times New Roman" panose="02020603050405020304" pitchFamily="18" charset="0"/>
-                <a:cs typeface="Times New Roman" panose="02020603050405020304" pitchFamily="18" charset="0"/>
-              </a:rPr>
-              <a:t>url</a:t>
-            </a:r>
-            <a:r>
-              <a:rPr lang="en-US" altLang="zh-TW" sz="2800" dirty="0" smtClean="0">
-                <a:latin typeface="Times New Roman" panose="02020603050405020304" pitchFamily="18" charset="0"/>
-                <a:cs typeface="Times New Roman" panose="02020603050405020304" pitchFamily="18" charset="0"/>
-              </a:rPr>
-              <a:t> tweets</a:t>
-            </a:r>
-          </a:p>
-          <a:p>
-            <a:pPr>
-              <a:buFont typeface="Calibri" panose="020F0502020204030204" pitchFamily="34" charset="0"/>
-              <a:buChar char="•"/>
-            </a:pPr>
-            <a:r>
-              <a:rPr lang="en-US" altLang="zh-TW" sz="2800" dirty="0">
-                <a:latin typeface="Times New Roman" panose="02020603050405020304" pitchFamily="18" charset="0"/>
-                <a:cs typeface="Times New Roman" panose="02020603050405020304" pitchFamily="18" charset="0"/>
-              </a:rPr>
-              <a:t> </a:t>
-            </a:r>
-            <a:r>
-              <a:rPr lang="en-US" altLang="zh-TW" sz="2800" dirty="0" smtClean="0">
-                <a:latin typeface="Times New Roman" panose="02020603050405020304" pitchFamily="18" charset="0"/>
-                <a:cs typeface="Times New Roman" panose="02020603050405020304" pitchFamily="18" charset="0"/>
-              </a:rPr>
-              <a:t>Box chart of twitter tweets in month</a:t>
-            </a:r>
-          </a:p>
-          <a:p>
-            <a:pPr>
-              <a:buFont typeface="Calibri" panose="020F0502020204030204" pitchFamily="34" charset="0"/>
-              <a:buChar char="•"/>
-            </a:pPr>
-            <a:r>
-              <a:rPr lang="en-US" altLang="zh-TW" sz="2800" dirty="0">
-                <a:latin typeface="Times New Roman" panose="02020603050405020304" pitchFamily="18" charset="0"/>
-                <a:cs typeface="Times New Roman" panose="02020603050405020304" pitchFamily="18" charset="0"/>
-              </a:rPr>
-              <a:t> </a:t>
-            </a:r>
-            <a:r>
-              <a:rPr lang="en-US" altLang="zh-TW" sz="2800" dirty="0" smtClean="0">
-                <a:latin typeface="Times New Roman" panose="02020603050405020304" pitchFamily="18" charset="0"/>
-                <a:cs typeface="Times New Roman" panose="02020603050405020304" pitchFamily="18" charset="0"/>
-              </a:rPr>
-              <a:t>How to analyze that twitters’ power of Information Security (IS)? </a:t>
-            </a:r>
-            <a:endParaRPr lang="en-US" altLang="zh-TW" sz="2800" dirty="0">
-              <a:latin typeface="Times New Roman" panose="02020603050405020304" pitchFamily="18" charset="0"/>
-              <a:cs typeface="Times New Roman" panose="02020603050405020304" pitchFamily="18" charset="0"/>
-            </a:endParaRPr>
-          </a:p>
-        </p:txBody>
-      </p:sp>
+      <mc:AlternateContent xmlns:mc="http://schemas.openxmlformats.org/markup-compatibility/2006">
+        <mc:Choice xmlns:a14="http://schemas.microsoft.com/office/drawing/2010/main" Requires="a14">
+          <p:sp>
+            <p:nvSpPr>
+              <p:cNvPr id="3" name="直排文字版面配置區 2"/>
+              <p:cNvSpPr>
+                <a:spLocks noGrp="1"/>
+              </p:cNvSpPr>
+              <p:nvPr>
+                <p:ph type="body" orient="vert" idx="1"/>
+              </p:nvPr>
+            </p:nvSpPr>
+            <p:spPr>
+              <a:xfrm>
+                <a:off x="1097280" y="2067790"/>
+                <a:ext cx="10058400" cy="3801303"/>
+              </a:xfrm>
+            </p:spPr>
+            <p:txBody>
+              <a:bodyPr vert="horz">
+                <a:normAutofit/>
+              </a:bodyPr>
+              <a:lstStyle/>
+              <a:p>
+                <a:pPr>
+                  <a:buFont typeface="Calibri" panose="020F0502020204030204" pitchFamily="34" charset="0"/>
+                  <a:buChar char="•"/>
+                </a:pPr>
+                <a:r>
+                  <a:rPr lang="en-US" altLang="zh-TW" sz="2800" dirty="0" smtClean="0">
+                    <a:latin typeface="Times New Roman" panose="02020603050405020304" pitchFamily="18" charset="0"/>
+                    <a:cs typeface="Times New Roman" panose="02020603050405020304" pitchFamily="18" charset="0"/>
+                  </a:rPr>
+                  <a:t> </a:t>
+                </a:r>
+                <a:r>
+                  <a:rPr lang="en-US" altLang="zh-TW" sz="2800" dirty="0" smtClean="0">
+                    <a:latin typeface="Times New Roman" panose="02020603050405020304" pitchFamily="18" charset="0"/>
+                    <a:cs typeface="Times New Roman" panose="02020603050405020304" pitchFamily="18" charset="0"/>
+                  </a:rPr>
+                  <a:t>#comments/each post</a:t>
+                </a:r>
+              </a:p>
+              <a:p>
+                <a:pPr lvl="1">
+                  <a:buFont typeface="Calibri" panose="020F0502020204030204" pitchFamily="34" charset="0"/>
+                  <a:buChar char="−"/>
+                </a:pPr>
+                <a:r>
+                  <a:rPr lang="en-US" altLang="zh-TW" sz="2600" dirty="0" smtClean="0">
+                    <a:latin typeface="Times New Roman" panose="02020603050405020304" pitchFamily="18" charset="0"/>
+                    <a:cs typeface="Times New Roman" panose="02020603050405020304" pitchFamily="18" charset="0"/>
+                  </a:rPr>
+                  <a:t> </a:t>
+                </a:r>
+                <a14:m>
+                  <m:oMath xmlns:m="http://schemas.openxmlformats.org/officeDocument/2006/math">
+                    <m:r>
+                      <m:rPr>
+                        <m:sty m:val="p"/>
+                      </m:rPr>
+                      <a:rPr lang="en-US" altLang="zh-TW" sz="2600" b="0" i="0" smtClean="0">
+                        <a:latin typeface="Cambria Math" panose="02040503050406030204" pitchFamily="18" charset="0"/>
+                        <a:cs typeface="Times New Roman" panose="02020603050405020304" pitchFamily="18" charset="0"/>
+                      </a:rPr>
+                      <m:t>min</m:t>
+                    </m:r>
+                    <m:r>
+                      <a:rPr lang="en-US" altLang="zh-TW" sz="2600" b="0" i="1" smtClean="0">
+                        <a:latin typeface="Cambria Math" panose="02040503050406030204" pitchFamily="18" charset="0"/>
+                        <a:cs typeface="Times New Roman" panose="02020603050405020304" pitchFamily="18" charset="0"/>
+                      </a:rPr>
+                      <m:t>⁡(</m:t>
+                    </m:r>
+                    <m:r>
+                      <a:rPr lang="en-US" altLang="zh-TW" sz="2600" b="0" i="1" smtClean="0">
+                        <a:latin typeface="Cambria Math" panose="02040503050406030204" pitchFamily="18" charset="0"/>
+                        <a:cs typeface="Times New Roman" panose="02020603050405020304" pitchFamily="18" charset="0"/>
+                      </a:rPr>
+                      <m:t>𝐼𝑄𝑅</m:t>
+                    </m:r>
+                    <m:d>
+                      <m:dPr>
+                        <m:ctrlPr>
+                          <a:rPr lang="en-US" altLang="zh-TW" sz="2600" b="0" i="1" smtClean="0">
+                            <a:latin typeface="Cambria Math" panose="02040503050406030204" pitchFamily="18" charset="0"/>
+                            <a:cs typeface="Times New Roman" panose="02020603050405020304" pitchFamily="18" charset="0"/>
+                          </a:rPr>
+                        </m:ctrlPr>
+                      </m:dPr>
+                      <m:e>
+                        <m:r>
+                          <a:rPr lang="en-US" altLang="zh-TW" sz="2600" b="0" i="1" smtClean="0">
+                            <a:latin typeface="Cambria Math" panose="02040503050406030204" pitchFamily="18" charset="0"/>
+                            <a:cs typeface="Times New Roman" panose="02020603050405020304" pitchFamily="18" charset="0"/>
+                          </a:rPr>
+                          <m:t>𝑖𝐿𝑜𝑣𝑒𝐾𝐶𝑚𝑖𝑙𝑘</m:t>
+                        </m:r>
+                      </m:e>
+                    </m:d>
+                    <m:r>
+                      <a:rPr lang="en-US" altLang="zh-TW" sz="2600" b="0" i="1" smtClean="0">
+                        <a:latin typeface="Cambria Math" panose="02040503050406030204" pitchFamily="18" charset="0"/>
+                        <a:cs typeface="Times New Roman" panose="02020603050405020304" pitchFamily="18" charset="0"/>
+                      </a:rPr>
+                      <m:t>,</m:t>
+                    </m:r>
+                    <m:r>
+                      <a:rPr lang="en-US" altLang="zh-TW" sz="2600" b="0" i="1" smtClean="0">
+                        <a:latin typeface="Cambria Math" panose="02040503050406030204" pitchFamily="18" charset="0"/>
+                        <a:cs typeface="Times New Roman" panose="02020603050405020304" pitchFamily="18" charset="0"/>
+                      </a:rPr>
+                      <m:t>𝐼𝑄𝑅</m:t>
+                    </m:r>
+                    <m:d>
+                      <m:dPr>
+                        <m:ctrlPr>
+                          <a:rPr lang="en-US" altLang="zh-TW" sz="2600" b="0" i="1" smtClean="0">
+                            <a:latin typeface="Cambria Math" panose="02040503050406030204" pitchFamily="18" charset="0"/>
+                            <a:cs typeface="Times New Roman" panose="02020603050405020304" pitchFamily="18" charset="0"/>
+                          </a:rPr>
+                        </m:ctrlPr>
+                      </m:dPr>
+                      <m:e>
+                        <m:r>
+                          <a:rPr lang="en-US" altLang="zh-TW" sz="2600" b="0" i="1" smtClean="0">
+                            <a:latin typeface="Cambria Math" panose="02040503050406030204" pitchFamily="18" charset="0"/>
+                            <a:cs typeface="Times New Roman" panose="02020603050405020304" pitchFamily="18" charset="0"/>
+                          </a:rPr>
+                          <m:t>𝐷𝑜𝑚𝑖𝑛𝑜𝑠</m:t>
+                        </m:r>
+                        <m:r>
+                          <a:rPr lang="en-US" altLang="zh-TW" sz="2600" b="0" i="1" smtClean="0">
+                            <a:latin typeface="Cambria Math" panose="02040503050406030204" pitchFamily="18" charset="0"/>
+                            <a:cs typeface="Times New Roman" panose="02020603050405020304" pitchFamily="18" charset="0"/>
+                          </a:rPr>
+                          <m:t>.</m:t>
+                        </m:r>
+                        <m:r>
+                          <a:rPr lang="en-US" altLang="zh-TW" sz="2600" b="0" i="1" smtClean="0">
+                            <a:latin typeface="Cambria Math" panose="02040503050406030204" pitchFamily="18" charset="0"/>
+                            <a:cs typeface="Times New Roman" panose="02020603050405020304" pitchFamily="18" charset="0"/>
+                          </a:rPr>
+                          <m:t>𝑡𝑤</m:t>
+                        </m:r>
+                      </m:e>
+                    </m:d>
+                    <m:r>
+                      <a:rPr lang="en-US" altLang="zh-TW" sz="2600" b="0" i="1" smtClean="0">
+                        <a:latin typeface="Cambria Math" panose="02040503050406030204" pitchFamily="18" charset="0"/>
+                        <a:cs typeface="Times New Roman" panose="02020603050405020304" pitchFamily="18" charset="0"/>
+                      </a:rPr>
+                      <m:t>)</m:t>
+                    </m:r>
+                    <m:r>
+                      <a:rPr lang="en-US" altLang="zh-TW" sz="2600" b="0" i="1" smtClean="0">
+                        <a:solidFill>
+                          <a:srgbClr val="FF0000"/>
+                        </a:solidFill>
+                        <a:latin typeface="Cambria Math" panose="02040503050406030204" pitchFamily="18" charset="0"/>
+                        <a:ea typeface="Cambria Math" panose="02040503050406030204" pitchFamily="18" charset="0"/>
+                        <a:cs typeface="Times New Roman" panose="02020603050405020304" pitchFamily="18" charset="0"/>
+                      </a:rPr>
+                      <m:t>≥</m:t>
+                    </m:r>
+                    <m:r>
+                      <a:rPr lang="en-US" altLang="zh-TW" sz="2600" b="0" i="1" smtClean="0">
+                        <a:latin typeface="Cambria Math" panose="02040503050406030204" pitchFamily="18" charset="0"/>
+                        <a:ea typeface="Cambria Math" panose="02040503050406030204" pitchFamily="18" charset="0"/>
+                        <a:cs typeface="Times New Roman" panose="02020603050405020304" pitchFamily="18" charset="0"/>
+                      </a:rPr>
+                      <m:t>𝐼𝑄𝑅</m:t>
+                    </m:r>
+                    <m:r>
+                      <a:rPr lang="en-US" altLang="zh-TW" sz="2600" b="0" i="1" smtClean="0">
+                        <a:latin typeface="Cambria Math" panose="02040503050406030204" pitchFamily="18" charset="0"/>
+                        <a:ea typeface="Cambria Math" panose="02040503050406030204" pitchFamily="18" charset="0"/>
+                        <a:cs typeface="Times New Roman" panose="02020603050405020304" pitchFamily="18" charset="0"/>
+                      </a:rPr>
+                      <m:t>(</m:t>
+                    </m:r>
+                    <m:r>
+                      <a:rPr lang="en-US" altLang="zh-TW" sz="2600" b="0" i="1" smtClean="0">
+                        <a:latin typeface="Cambria Math" panose="02040503050406030204" pitchFamily="18" charset="0"/>
+                        <a:ea typeface="Cambria Math" panose="02040503050406030204" pitchFamily="18" charset="0"/>
+                        <a:cs typeface="Times New Roman" panose="02020603050405020304" pitchFamily="18" charset="0"/>
+                      </a:rPr>
+                      <m:t>𝑖𝑚𝑒𝑖𝑓𝑜𝑜𝑑𝑠</m:t>
+                    </m:r>
+                    <m:r>
+                      <a:rPr lang="en-US" altLang="zh-TW" sz="2600" b="0" i="1" smtClean="0">
+                        <a:latin typeface="Cambria Math" panose="02040503050406030204" pitchFamily="18" charset="0"/>
+                        <a:ea typeface="Cambria Math" panose="02040503050406030204" pitchFamily="18" charset="0"/>
+                        <a:cs typeface="Times New Roman" panose="02020603050405020304" pitchFamily="18" charset="0"/>
+                      </a:rPr>
+                      <m:t>)</m:t>
+                    </m:r>
+                  </m:oMath>
+                </a14:m>
+                <a:r>
+                  <a:rPr lang="en-US" altLang="zh-TW" sz="2600" dirty="0" smtClean="0">
+                    <a:latin typeface="Times New Roman" panose="02020603050405020304" pitchFamily="18" charset="0"/>
+                    <a:cs typeface="Times New Roman" panose="02020603050405020304" pitchFamily="18" charset="0"/>
+                  </a:rPr>
+                  <a:t> </a:t>
+                </a:r>
+              </a:p>
+              <a:p>
+                <a:pPr lvl="1">
+                  <a:buFont typeface="Calibri" panose="020F0502020204030204" pitchFamily="34" charset="0"/>
+                  <a:buChar char="−"/>
+                </a:pPr>
+                <a:r>
+                  <a:rPr lang="en-US" altLang="zh-TW" sz="2600" dirty="0">
+                    <a:latin typeface="Times New Roman" panose="02020603050405020304" pitchFamily="18" charset="0"/>
+                    <a:cs typeface="Times New Roman" panose="02020603050405020304" pitchFamily="18" charset="0"/>
+                  </a:rPr>
+                  <a:t> </a:t>
+                </a:r>
+                <a14:m>
+                  <m:oMath xmlns:m="http://schemas.openxmlformats.org/officeDocument/2006/math">
+                    <m:sSub>
+                      <m:sSubPr>
+                        <m:ctrlPr>
+                          <a:rPr lang="en-US" altLang="zh-TW" sz="2600" i="1" smtClean="0">
+                            <a:latin typeface="Cambria Math" panose="02040503050406030204" pitchFamily="18" charset="0"/>
+                            <a:cs typeface="Times New Roman" panose="02020603050405020304" pitchFamily="18" charset="0"/>
+                          </a:rPr>
+                        </m:ctrlPr>
+                      </m:sSubPr>
+                      <m:e>
+                        <m:r>
+                          <a:rPr lang="en-US" altLang="zh-TW" sz="2600" b="0" i="1" smtClean="0">
+                            <a:latin typeface="Cambria Math" panose="02040503050406030204" pitchFamily="18" charset="0"/>
+                            <a:cs typeface="Times New Roman" panose="02020603050405020304" pitchFamily="18" charset="0"/>
+                          </a:rPr>
+                          <m:t>𝑃𝑎𝑔𝑒</m:t>
+                        </m:r>
+                      </m:e>
+                      <m:sub>
+                        <m:r>
+                          <a:rPr lang="en-US" altLang="zh-TW" sz="2600" b="0" i="1" smtClean="0">
+                            <a:latin typeface="Cambria Math" panose="02040503050406030204" pitchFamily="18" charset="0"/>
+                            <a:cs typeface="Times New Roman" panose="02020603050405020304" pitchFamily="18" charset="0"/>
+                          </a:rPr>
+                          <m:t>𝑠𝑤𝑒𝑒𝑝𝑠𝑡𝑎𝑘𝑒</m:t>
+                        </m:r>
+                      </m:sub>
+                    </m:sSub>
+                    <m:r>
+                      <a:rPr lang="en-US" altLang="zh-TW" sz="2600" b="0" i="1" smtClean="0">
+                        <a:latin typeface="Cambria Math" panose="02040503050406030204" pitchFamily="18" charset="0"/>
+                        <a:cs typeface="Times New Roman" panose="02020603050405020304" pitchFamily="18" charset="0"/>
+                      </a:rPr>
+                      <m:t>={</m:t>
+                    </m:r>
+                    <m:r>
+                      <a:rPr lang="en-US" altLang="zh-TW" sz="2600" b="0" i="1" smtClean="0">
+                        <a:latin typeface="Cambria Math" panose="02040503050406030204" pitchFamily="18" charset="0"/>
+                        <a:cs typeface="Times New Roman" panose="02020603050405020304" pitchFamily="18" charset="0"/>
+                      </a:rPr>
+                      <m:t>𝑖𝐿𝑜𝑣𝑒𝐾𝐶𝑚𝑖𝑙𝑘</m:t>
+                    </m:r>
+                    <m:r>
+                      <a:rPr lang="en-US" altLang="zh-TW" sz="2600" b="0" i="1" smtClean="0">
+                        <a:latin typeface="Cambria Math" panose="02040503050406030204" pitchFamily="18" charset="0"/>
+                        <a:cs typeface="Times New Roman" panose="02020603050405020304" pitchFamily="18" charset="0"/>
+                      </a:rPr>
+                      <m:t>, </m:t>
+                    </m:r>
+                    <m:r>
+                      <a:rPr lang="en-US" altLang="zh-TW" sz="2600" b="0" i="1" smtClean="0">
+                        <a:latin typeface="Cambria Math" panose="02040503050406030204" pitchFamily="18" charset="0"/>
+                        <a:cs typeface="Times New Roman" panose="02020603050405020304" pitchFamily="18" charset="0"/>
+                      </a:rPr>
+                      <m:t>𝐷𝑜𝑚𝑖𝑛𝑜𝑠</m:t>
+                    </m:r>
+                    <m:r>
+                      <a:rPr lang="en-US" altLang="zh-TW" sz="2600" b="0" i="1" smtClean="0">
+                        <a:latin typeface="Cambria Math" panose="02040503050406030204" pitchFamily="18" charset="0"/>
+                        <a:cs typeface="Times New Roman" panose="02020603050405020304" pitchFamily="18" charset="0"/>
+                      </a:rPr>
+                      <m:t>.</m:t>
+                    </m:r>
+                    <m:r>
+                      <a:rPr lang="en-US" altLang="zh-TW" sz="2600" b="0" i="1" smtClean="0">
+                        <a:latin typeface="Cambria Math" panose="02040503050406030204" pitchFamily="18" charset="0"/>
+                        <a:cs typeface="Times New Roman" panose="02020603050405020304" pitchFamily="18" charset="0"/>
+                      </a:rPr>
+                      <m:t>𝑡𝑤</m:t>
+                    </m:r>
+                    <m:r>
+                      <a:rPr lang="en-US" altLang="zh-TW" sz="2600" b="0" i="1" smtClean="0">
+                        <a:latin typeface="Cambria Math" panose="02040503050406030204" pitchFamily="18" charset="0"/>
+                        <a:cs typeface="Times New Roman" panose="02020603050405020304" pitchFamily="18" charset="0"/>
+                      </a:rPr>
+                      <m:t>}</m:t>
+                    </m:r>
+                  </m:oMath>
+                </a14:m>
+                <a:endParaRPr lang="en-US" altLang="zh-TW" sz="2600" dirty="0" smtClean="0">
+                  <a:latin typeface="Times New Roman" panose="02020603050405020304" pitchFamily="18" charset="0"/>
+                  <a:cs typeface="Times New Roman" panose="02020603050405020304" pitchFamily="18" charset="0"/>
+                </a:endParaRPr>
+              </a:p>
+              <a:p>
+                <a:pPr lvl="1">
+                  <a:buFont typeface="Calibri" panose="020F0502020204030204" pitchFamily="34" charset="0"/>
+                  <a:buChar char="−"/>
+                </a:pPr>
+                <a:r>
+                  <a:rPr lang="en-US" altLang="zh-TW" sz="2600" dirty="0" smtClean="0">
+                    <a:latin typeface="Times New Roman" panose="02020603050405020304" pitchFamily="18" charset="0"/>
+                    <a:cs typeface="Times New Roman" panose="02020603050405020304" pitchFamily="18" charset="0"/>
+                  </a:rPr>
+                  <a:t> comments of pages in </a:t>
+                </a:r>
+                <a14:m>
+                  <m:oMath xmlns:m="http://schemas.openxmlformats.org/officeDocument/2006/math">
+                    <m:sSub>
+                      <m:sSubPr>
+                        <m:ctrlPr>
+                          <a:rPr lang="en-US" altLang="zh-TW" sz="2600" i="1">
+                            <a:latin typeface="Cambria Math" panose="02040503050406030204" pitchFamily="18" charset="0"/>
+                            <a:cs typeface="Times New Roman" panose="02020603050405020304" pitchFamily="18" charset="0"/>
+                          </a:rPr>
+                        </m:ctrlPr>
+                      </m:sSubPr>
+                      <m:e>
+                        <m:r>
+                          <a:rPr lang="en-US" altLang="zh-TW" sz="2600" i="1">
+                            <a:latin typeface="Cambria Math" panose="02040503050406030204" pitchFamily="18" charset="0"/>
+                            <a:cs typeface="Times New Roman" panose="02020603050405020304" pitchFamily="18" charset="0"/>
+                          </a:rPr>
+                          <m:t>𝑃𝑎𝑔𝑒</m:t>
+                        </m:r>
+                      </m:e>
+                      <m:sub>
+                        <m:r>
+                          <a:rPr lang="en-US" altLang="zh-TW" sz="2600" i="1">
+                            <a:latin typeface="Cambria Math" panose="02040503050406030204" pitchFamily="18" charset="0"/>
+                            <a:cs typeface="Times New Roman" panose="02020603050405020304" pitchFamily="18" charset="0"/>
+                          </a:rPr>
+                          <m:t>𝑠𝑤𝑒𝑒𝑝𝑠𝑡𝑎𝑘𝑒</m:t>
+                        </m:r>
+                      </m:sub>
+                    </m:sSub>
+                  </m:oMath>
+                </a14:m>
+                <a:r>
+                  <a:rPr lang="en-US" altLang="zh-TW" sz="2600" i="1" dirty="0">
+                    <a:latin typeface="Times New Roman" panose="02020603050405020304" pitchFamily="18" charset="0"/>
+                    <a:cs typeface="Times New Roman" panose="02020603050405020304" pitchFamily="18" charset="0"/>
+                  </a:rPr>
+                  <a:t> </a:t>
+                </a:r>
+                <a:r>
+                  <a:rPr lang="en-US" altLang="zh-TW" sz="2600" dirty="0">
+                    <a:latin typeface="Times New Roman" panose="02020603050405020304" pitchFamily="18" charset="0"/>
+                    <a:cs typeface="Times New Roman" panose="02020603050405020304" pitchFamily="18" charset="0"/>
+                  </a:rPr>
+                  <a:t>has </a:t>
+                </a:r>
+                <a:r>
+                  <a:rPr lang="en-US" altLang="zh-TW" sz="2600" dirty="0">
+                    <a:solidFill>
+                      <a:srgbClr val="FF0000"/>
+                    </a:solidFill>
+                    <a:latin typeface="Times New Roman" panose="02020603050405020304" pitchFamily="18" charset="0"/>
+                    <a:cs typeface="Times New Roman" panose="02020603050405020304" pitchFamily="18" charset="0"/>
+                  </a:rPr>
+                  <a:t>value floating </a:t>
+                </a:r>
+                <a:r>
+                  <a:rPr lang="en-US" altLang="zh-TW" sz="2600" dirty="0" smtClean="0">
+                    <a:solidFill>
+                      <a:srgbClr val="FF0000"/>
+                    </a:solidFill>
+                    <a:latin typeface="Times New Roman" panose="02020603050405020304" pitchFamily="18" charset="0"/>
+                    <a:cs typeface="Times New Roman" panose="02020603050405020304" pitchFamily="18" charset="0"/>
+                  </a:rPr>
+                  <a:t>suddenly</a:t>
+                </a:r>
+                <a:endParaRPr lang="en-US" altLang="zh-TW" sz="2600" dirty="0">
+                  <a:latin typeface="Times New Roman" panose="02020603050405020304" pitchFamily="18" charset="0"/>
+                  <a:cs typeface="Times New Roman" panose="02020603050405020304" pitchFamily="18" charset="0"/>
+                </a:endParaRPr>
+              </a:p>
+              <a:p>
+                <a:pPr>
+                  <a:buFont typeface="Calibri" panose="020F0502020204030204" pitchFamily="34" charset="0"/>
+                  <a:buChar char="•"/>
+                </a:pPr>
+                <a:r>
+                  <a:rPr lang="en-US" altLang="zh-TW" sz="2800" dirty="0" smtClean="0">
+                    <a:latin typeface="Times New Roman" panose="02020603050405020304" pitchFamily="18" charset="0"/>
+                    <a:cs typeface="Times New Roman" panose="02020603050405020304" pitchFamily="18" charset="0"/>
+                  </a:rPr>
+                  <a:t> #</a:t>
+                </a:r>
+                <a:r>
+                  <a:rPr lang="en-US" altLang="zh-TW" sz="2800" dirty="0">
+                    <a:latin typeface="Times New Roman" panose="02020603050405020304" pitchFamily="18" charset="0"/>
+                    <a:cs typeface="Times New Roman" panose="02020603050405020304" pitchFamily="18" charset="0"/>
+                  </a:rPr>
+                  <a:t>post per </a:t>
+                </a:r>
+                <a:r>
+                  <a:rPr lang="en-US" altLang="zh-TW" sz="2800" dirty="0" smtClean="0">
+                    <a:latin typeface="Times New Roman" panose="02020603050405020304" pitchFamily="18" charset="0"/>
+                    <a:cs typeface="Times New Roman" panose="02020603050405020304" pitchFamily="18" charset="0"/>
+                  </a:rPr>
+                  <a:t>month</a:t>
+                </a:r>
+              </a:p>
+              <a:p>
+                <a:pPr lvl="1">
+                  <a:buFont typeface="Calibri" panose="020F0502020204030204" pitchFamily="34" charset="0"/>
+                  <a:buChar char="−"/>
+                </a:pPr>
+                <a:r>
+                  <a:rPr lang="en-US" altLang="zh-TW" sz="2600" dirty="0">
+                    <a:latin typeface="Times New Roman" panose="02020603050405020304" pitchFamily="18" charset="0"/>
+                    <a:cs typeface="Times New Roman" panose="02020603050405020304" pitchFamily="18" charset="0"/>
+                  </a:rPr>
+                  <a:t> </a:t>
+                </a:r>
+                <a:r>
+                  <a:rPr lang="en-US" altLang="zh-TW" sz="2600" dirty="0" smtClean="0">
+                    <a:latin typeface="Times New Roman" panose="02020603050405020304" pitchFamily="18" charset="0"/>
+                    <a:cs typeface="Times New Roman" panose="02020603050405020304" pitchFamily="18" charset="0"/>
+                  </a:rPr>
+                  <a:t>posts of pages in </a:t>
+                </a:r>
+                <a14:m>
+                  <m:oMath xmlns:m="http://schemas.openxmlformats.org/officeDocument/2006/math">
+                    <m:sSub>
+                      <m:sSubPr>
+                        <m:ctrlPr>
+                          <a:rPr lang="en-US" altLang="zh-TW" sz="2600" i="1">
+                            <a:latin typeface="Cambria Math" panose="02040503050406030204" pitchFamily="18" charset="0"/>
+                            <a:cs typeface="Times New Roman" panose="02020603050405020304" pitchFamily="18" charset="0"/>
+                          </a:rPr>
+                        </m:ctrlPr>
+                      </m:sSubPr>
+                      <m:e>
+                        <m:r>
+                          <a:rPr lang="en-US" altLang="zh-TW" sz="2600" i="1">
+                            <a:latin typeface="Cambria Math" panose="02040503050406030204" pitchFamily="18" charset="0"/>
+                            <a:cs typeface="Times New Roman" panose="02020603050405020304" pitchFamily="18" charset="0"/>
+                          </a:rPr>
+                          <m:t>𝑃𝑎𝑔𝑒</m:t>
+                        </m:r>
+                      </m:e>
+                      <m:sub>
+                        <m:r>
+                          <a:rPr lang="en-US" altLang="zh-TW" sz="2600" i="1">
+                            <a:latin typeface="Cambria Math" panose="02040503050406030204" pitchFamily="18" charset="0"/>
+                            <a:cs typeface="Times New Roman" panose="02020603050405020304" pitchFamily="18" charset="0"/>
+                          </a:rPr>
+                          <m:t>𝑠𝑤𝑒𝑒𝑝𝑠𝑡𝑎𝑘𝑒</m:t>
+                        </m:r>
+                      </m:sub>
+                    </m:sSub>
+                  </m:oMath>
+                </a14:m>
+                <a:r>
+                  <a:rPr lang="en-US" altLang="zh-TW" sz="2600" dirty="0">
+                    <a:latin typeface="Times New Roman" panose="02020603050405020304" pitchFamily="18" charset="0"/>
+                    <a:cs typeface="Times New Roman" panose="02020603050405020304" pitchFamily="18" charset="0"/>
+                  </a:rPr>
+                  <a:t> </a:t>
+                </a:r>
+                <a:r>
+                  <a:rPr lang="en-US" altLang="zh-TW" sz="2600" dirty="0" smtClean="0">
+                    <a:latin typeface="Times New Roman" panose="02020603050405020304" pitchFamily="18" charset="0"/>
+                    <a:cs typeface="Times New Roman" panose="02020603050405020304" pitchFamily="18" charset="0"/>
+                  </a:rPr>
+                  <a:t>has </a:t>
+                </a:r>
+                <a:r>
+                  <a:rPr lang="en-US" altLang="zh-TW" sz="2600" dirty="0">
+                    <a:latin typeface="Times New Roman" panose="02020603050405020304" pitchFamily="18" charset="0"/>
+                    <a:cs typeface="Times New Roman" panose="02020603050405020304" pitchFamily="18" charset="0"/>
+                  </a:rPr>
+                  <a:t>value floating </a:t>
+                </a:r>
+                <a:r>
+                  <a:rPr lang="en-US" altLang="zh-TW" sz="2600" dirty="0">
+                    <a:latin typeface="Times New Roman" panose="02020603050405020304" pitchFamily="18" charset="0"/>
+                    <a:cs typeface="Times New Roman" panose="02020603050405020304" pitchFamily="18" charset="0"/>
+                  </a:rPr>
+                  <a:t>suddenly </a:t>
+                </a:r>
+                <a:r>
+                  <a:rPr lang="en-US" altLang="zh-TW" sz="2600" dirty="0" smtClean="0">
+                    <a:solidFill>
+                      <a:srgbClr val="FF0000"/>
+                    </a:solidFill>
+                    <a:latin typeface="Times New Roman" panose="02020603050405020304" pitchFamily="18" charset="0"/>
+                    <a:cs typeface="Times New Roman" panose="02020603050405020304" pitchFamily="18" charset="0"/>
+                  </a:rPr>
+                  <a:t>in some month </a:t>
+                </a:r>
+                <a:r>
+                  <a:rPr lang="en-US" altLang="zh-TW" sz="2600" dirty="0">
+                    <a:latin typeface="Times New Roman" panose="02020603050405020304" pitchFamily="18" charset="0"/>
+                    <a:cs typeface="Times New Roman" panose="02020603050405020304" pitchFamily="18" charset="0"/>
+                  </a:rPr>
+                  <a:t>(iLoveKCmilk: [1,2,4,5,6], Dominos.tw: [11])</a:t>
+                </a:r>
+              </a:p>
+              <a:p>
+                <a:pPr lvl="1">
+                  <a:buFont typeface="Calibri" panose="020F0502020204030204" pitchFamily="34" charset="0"/>
+                  <a:buChar char="−"/>
+                </a:pPr>
+                <a:r>
+                  <a:rPr lang="en-US" altLang="zh-TW" sz="2600" dirty="0">
+                    <a:solidFill>
+                      <a:srgbClr val="FF0000"/>
+                    </a:solidFill>
+                    <a:latin typeface="Times New Roman" panose="02020603050405020304" pitchFamily="18" charset="0"/>
+                    <a:cs typeface="Times New Roman" panose="02020603050405020304" pitchFamily="18" charset="0"/>
+                  </a:rPr>
+                  <a:t> </a:t>
+                </a:r>
+                <a14:m>
+                  <m:oMath xmlns:m="http://schemas.openxmlformats.org/officeDocument/2006/math">
+                    <m:sSub>
+                      <m:sSubPr>
+                        <m:ctrlPr>
+                          <a:rPr lang="en-US" altLang="zh-TW" sz="2800" i="1">
+                            <a:latin typeface="Cambria Math" panose="02040503050406030204" pitchFamily="18" charset="0"/>
+                            <a:cs typeface="Times New Roman" panose="02020603050405020304" pitchFamily="18" charset="0"/>
+                          </a:rPr>
+                        </m:ctrlPr>
+                      </m:sSubPr>
+                      <m:e>
+                        <m:r>
+                          <a:rPr lang="en-US" altLang="zh-TW" sz="2800" i="1">
+                            <a:latin typeface="Cambria Math" panose="02040503050406030204" pitchFamily="18" charset="0"/>
+                            <a:cs typeface="Times New Roman" panose="02020603050405020304" pitchFamily="18" charset="0"/>
+                          </a:rPr>
+                          <m:t>𝑃𝑎𝑔𝑒</m:t>
+                        </m:r>
+                      </m:e>
+                      <m:sub>
+                        <m:r>
+                          <a:rPr lang="en-US" altLang="zh-TW" sz="2800" i="1">
+                            <a:latin typeface="Cambria Math" panose="02040503050406030204" pitchFamily="18" charset="0"/>
+                            <a:cs typeface="Times New Roman" panose="02020603050405020304" pitchFamily="18" charset="0"/>
+                          </a:rPr>
+                          <m:t>𝑠𝑤𝑒𝑒𝑝𝑠𝑡𝑎𝑘𝑒</m:t>
+                        </m:r>
+                      </m:sub>
+                    </m:sSub>
+                  </m:oMath>
+                </a14:m>
+                <a:r>
+                  <a:rPr lang="en-US" altLang="zh-TW" sz="2800" dirty="0" smtClean="0">
+                    <a:latin typeface="Times New Roman" panose="02020603050405020304" pitchFamily="18" charset="0"/>
+                    <a:cs typeface="Times New Roman" panose="02020603050405020304" pitchFamily="18" charset="0"/>
+                  </a:rPr>
+                  <a:t> launch a </a:t>
+                </a:r>
+                <a:r>
+                  <a:rPr lang="en-US" altLang="zh-TW" sz="2800" i="1" dirty="0" smtClean="0">
+                    <a:latin typeface="Times New Roman" panose="02020603050405020304" pitchFamily="18" charset="0"/>
+                    <a:cs typeface="Times New Roman" panose="02020603050405020304" pitchFamily="18" charset="0"/>
+                  </a:rPr>
+                  <a:t>sweepstake </a:t>
+                </a:r>
+                <a:r>
+                  <a:rPr lang="en-US" altLang="zh-TW" sz="2800" dirty="0" smtClean="0">
+                    <a:latin typeface="Times New Roman" panose="02020603050405020304" pitchFamily="18" charset="0"/>
+                    <a:cs typeface="Times New Roman" panose="02020603050405020304" pitchFamily="18" charset="0"/>
+                  </a:rPr>
+                  <a:t>in</a:t>
+                </a:r>
+                <a:r>
+                  <a:rPr lang="en-US" altLang="zh-TW" sz="2800" i="1" dirty="0" smtClean="0">
+                    <a:latin typeface="Times New Roman" panose="02020603050405020304" pitchFamily="18" charset="0"/>
+                    <a:cs typeface="Times New Roman" panose="02020603050405020304" pitchFamily="18" charset="0"/>
+                  </a:rPr>
+                  <a:t> </a:t>
+                </a:r>
+                <a:r>
+                  <a:rPr lang="en-US" altLang="zh-TW" sz="2800" dirty="0" smtClean="0">
+                    <a:latin typeface="Times New Roman" panose="02020603050405020304" pitchFamily="18" charset="0"/>
+                    <a:cs typeface="Times New Roman" panose="02020603050405020304" pitchFamily="18" charset="0"/>
+                  </a:rPr>
+                  <a:t>special month maybe</a:t>
+                </a:r>
+                <a:endParaRPr lang="en-US" altLang="zh-TW" sz="2800" dirty="0" smtClean="0">
+                  <a:latin typeface="Times New Roman" panose="02020603050405020304" pitchFamily="18" charset="0"/>
+                  <a:cs typeface="Times New Roman" panose="02020603050405020304" pitchFamily="18" charset="0"/>
+                </a:endParaRPr>
+              </a:p>
+            </p:txBody>
+          </p:sp>
+        </mc:Choice>
+        <mc:Fallback>
+          <p:sp>
+            <p:nvSpPr>
+              <p:cNvPr id="3" name="直排文字版面配置區 2"/>
+              <p:cNvSpPr>
+                <a:spLocks noGrp="1" noRot="1" noChangeAspect="1" noMove="1" noResize="1" noEditPoints="1" noAdjustHandles="1" noChangeArrowheads="1" noChangeShapeType="1" noTextEdit="1"/>
+              </p:cNvSpPr>
+              <p:nvPr>
+                <p:ph type="body" orient="vert" idx="1"/>
+              </p:nvPr>
+            </p:nvSpPr>
+            <p:spPr>
+              <a:xfrm>
+                <a:off x="1097280" y="2067790"/>
+                <a:ext cx="10058400" cy="3801303"/>
+              </a:xfrm>
+              <a:blipFill rotWithShape="0">
+                <a:blip r:embed="rId2"/>
+                <a:stretch>
+                  <a:fillRect l="-1697" t="-4006"/>
+                </a:stretch>
+              </a:blipFill>
+            </p:spPr>
+            <p:txBody>
+              <a:bodyPr/>
+              <a:lstStyle/>
+              <a:p>
+                <a:r>
+                  <a:rPr lang="zh-TW" altLang="en-US">
+                    <a:noFill/>
+                  </a:rPr>
+                  <a:t> </a:t>
+                </a:r>
+              </a:p>
+            </p:txBody>
+          </p:sp>
+        </mc:Fallback>
+      </mc:AlternateContent>
     </p:spTree>
     <p:extLst>
       <p:ext uri="{BB962C8B-B14F-4D97-AF65-F5344CB8AC3E}">
@@ -4774,90 +5204,210 @@
               </a:rPr>
               <a:t>Conclusion</a:t>
             </a:r>
-            <a:endParaRPr lang="en-US" altLang="zh-TW" dirty="0">
-              <a:latin typeface="Times New Roman" panose="02020603050405020304" pitchFamily="18" charset="0"/>
-              <a:cs typeface="Times New Roman" panose="02020603050405020304" pitchFamily="18" charset="0"/>
-            </a:endParaRPr>
           </a:p>
         </p:txBody>
       </p:sp>
-      <p:sp>
-        <p:nvSpPr>
-          <p:cNvPr id="3" name="直排文字版面配置區 2"/>
-          <p:cNvSpPr>
-            <a:spLocks noGrp="1"/>
-          </p:cNvSpPr>
-          <p:nvPr>
-            <p:ph type="body" orient="vert" idx="1"/>
-          </p:nvPr>
-        </p:nvSpPr>
-        <p:spPr>
-          <a:xfrm>
-            <a:off x="1097280" y="2971800"/>
-            <a:ext cx="10058400" cy="2897293"/>
-          </a:xfrm>
-        </p:spPr>
-        <p:txBody>
-          <a:bodyPr vert="horz">
-            <a:normAutofit/>
-          </a:bodyPr>
-          <a:lstStyle/>
-          <a:p>
-            <a:pPr>
-              <a:buFont typeface="Calibri" panose="020F0502020204030204" pitchFamily="34" charset="0"/>
-              <a:buChar char="•"/>
-            </a:pPr>
-            <a:r>
-              <a:rPr lang="en-US" altLang="zh-TW" sz="2800" dirty="0" smtClean="0">
-                <a:latin typeface="Times New Roman" panose="02020603050405020304" pitchFamily="18" charset="0"/>
-                <a:cs typeface="Times New Roman" panose="02020603050405020304" pitchFamily="18" charset="0"/>
-              </a:rPr>
-              <a:t> KEYWORDS = [‘</a:t>
-            </a:r>
-            <a:r>
-              <a:rPr lang="en-US" altLang="zh-TW" sz="2800" dirty="0" err="1" smtClean="0">
-                <a:latin typeface="Times New Roman" panose="02020603050405020304" pitchFamily="18" charset="0"/>
-                <a:cs typeface="Times New Roman" panose="02020603050405020304" pitchFamily="18" charset="0"/>
-              </a:rPr>
-              <a:t>cve</a:t>
-            </a:r>
-            <a:r>
-              <a:rPr lang="en-US" altLang="zh-TW" sz="2800" dirty="0" smtClean="0">
-                <a:latin typeface="Times New Roman" panose="02020603050405020304" pitchFamily="18" charset="0"/>
-                <a:cs typeface="Times New Roman" panose="02020603050405020304" pitchFamily="18" charset="0"/>
-              </a:rPr>
-              <a:t>’, ‘vulnerability’, ‘exploit’]</a:t>
-            </a:r>
-          </a:p>
-          <a:p>
-            <a:pPr>
-              <a:buFont typeface="Calibri" panose="020F0502020204030204" pitchFamily="34" charset="0"/>
-              <a:buChar char="•"/>
-            </a:pPr>
-            <a:r>
-              <a:rPr lang="en-US" altLang="zh-TW" sz="2800" dirty="0" smtClean="0">
-                <a:latin typeface="Times New Roman" panose="02020603050405020304" pitchFamily="18" charset="0"/>
-                <a:cs typeface="Times New Roman" panose="02020603050405020304" pitchFamily="18" charset="0"/>
-              </a:rPr>
-              <a:t> </a:t>
-            </a:r>
-            <a:r>
-              <a:rPr lang="en-US" altLang="zh-TW" sz="2800" dirty="0">
-                <a:latin typeface="Times New Roman" panose="02020603050405020304" pitchFamily="18" charset="0"/>
-                <a:cs typeface="Times New Roman" panose="02020603050405020304" pitchFamily="18" charset="0"/>
-              </a:rPr>
-              <a:t>Twitter count </a:t>
-            </a:r>
-            <a:r>
-              <a:rPr lang="en-US" altLang="zh-TW" sz="2800" dirty="0" smtClean="0">
-                <a:latin typeface="Times New Roman" panose="02020603050405020304" pitchFamily="18" charset="0"/>
-                <a:cs typeface="Times New Roman" panose="02020603050405020304" pitchFamily="18" charset="0"/>
-              </a:rPr>
-              <a:t>&amp; Tweet count</a:t>
-            </a:r>
-          </a:p>
-        </p:txBody>
-      </p:sp>
+      <mc:AlternateContent xmlns:mc="http://schemas.openxmlformats.org/markup-compatibility/2006">
+        <mc:Choice xmlns:a14="http://schemas.microsoft.com/office/drawing/2010/main" Requires="a14">
+          <p:sp>
+            <p:nvSpPr>
+              <p:cNvPr id="3" name="直排文字版面配置區 2"/>
+              <p:cNvSpPr>
+                <a:spLocks noGrp="1"/>
+              </p:cNvSpPr>
+              <p:nvPr>
+                <p:ph type="body" orient="vert" idx="1"/>
+              </p:nvPr>
+            </p:nvSpPr>
+            <p:spPr>
+              <a:xfrm>
+                <a:off x="1097280" y="2971800"/>
+                <a:ext cx="10058400" cy="2897293"/>
+              </a:xfrm>
+            </p:spPr>
+            <p:txBody>
+              <a:bodyPr vert="horz">
+                <a:normAutofit/>
+              </a:bodyPr>
+              <a:lstStyle/>
+              <a:p>
+                <a:pPr marL="0" indent="0">
+                  <a:buNone/>
+                </a:pPr>
+                <a:r>
+                  <a:rPr lang="en-US" altLang="zh-TW" sz="2800" dirty="0" smtClean="0">
+                    <a:latin typeface="Times New Roman" panose="02020603050405020304" pitchFamily="18" charset="0"/>
+                    <a:cs typeface="Times New Roman" panose="02020603050405020304" pitchFamily="18" charset="0"/>
+                  </a:rPr>
+                  <a:t>	</a:t>
+                </a:r>
+                <a:r>
+                  <a:rPr lang="en-US" altLang="zh-TW" sz="2400" dirty="0" smtClean="0">
+                    <a:latin typeface="Times New Roman" panose="02020603050405020304" pitchFamily="18" charset="0"/>
+                    <a:cs typeface="Times New Roman" panose="02020603050405020304" pitchFamily="18" charset="0"/>
+                  </a:rPr>
+                  <a:t>It is </a:t>
+                </a:r>
+                <a:r>
+                  <a:rPr lang="en-US" altLang="zh-TW" sz="2400" dirty="0" smtClean="0">
+                    <a:solidFill>
+                      <a:srgbClr val="FF0000"/>
+                    </a:solidFill>
+                    <a:latin typeface="Times New Roman" panose="02020603050405020304" pitchFamily="18" charset="0"/>
+                    <a:cs typeface="Times New Roman" panose="02020603050405020304" pitchFamily="18" charset="0"/>
+                  </a:rPr>
+                  <a:t>not enough </a:t>
+                </a:r>
+                <a:r>
+                  <a:rPr lang="en-US" altLang="zh-TW" sz="2400" dirty="0" smtClean="0">
+                    <a:latin typeface="Times New Roman" panose="02020603050405020304" pitchFamily="18" charset="0"/>
+                    <a:cs typeface="Times New Roman" panose="02020603050405020304" pitchFamily="18" charset="0"/>
+                  </a:rPr>
+                  <a:t>to show that how influences the fans page make between </a:t>
+                </a:r>
+                <a14:m>
+                  <m:oMath xmlns:m="http://schemas.openxmlformats.org/officeDocument/2006/math">
+                    <m:sSub>
+                      <m:sSubPr>
+                        <m:ctrlPr>
+                          <a:rPr lang="en-US" altLang="zh-TW" sz="2400" i="1">
+                            <a:latin typeface="Cambria Math" panose="02040503050406030204" pitchFamily="18" charset="0"/>
+                            <a:cs typeface="Times New Roman" panose="02020603050405020304" pitchFamily="18" charset="0"/>
+                          </a:rPr>
+                        </m:ctrlPr>
+                      </m:sSubPr>
+                      <m:e>
+                        <m:r>
+                          <a:rPr lang="en-US" altLang="zh-TW" sz="2400" i="1">
+                            <a:latin typeface="Cambria Math" panose="02040503050406030204" pitchFamily="18" charset="0"/>
+                            <a:cs typeface="Times New Roman" panose="02020603050405020304" pitchFamily="18" charset="0"/>
+                          </a:rPr>
+                          <m:t>𝑃𝑎𝑔𝑒</m:t>
+                        </m:r>
+                      </m:e>
+                      <m:sub>
+                        <m:r>
+                          <a:rPr lang="en-US" altLang="zh-TW" sz="2400" i="1">
+                            <a:latin typeface="Cambria Math" panose="02040503050406030204" pitchFamily="18" charset="0"/>
+                            <a:cs typeface="Times New Roman" panose="02020603050405020304" pitchFamily="18" charset="0"/>
+                          </a:rPr>
+                          <m:t>𝑠𝑤𝑒𝑒𝑝𝑠𝑡𝑎𝑘𝑒</m:t>
+                        </m:r>
+                      </m:sub>
+                    </m:sSub>
+                  </m:oMath>
+                </a14:m>
+                <a:r>
+                  <a:rPr lang="en-US" altLang="zh-TW" sz="2400" dirty="0" smtClean="0">
+                    <a:latin typeface="Times New Roman" panose="02020603050405020304" pitchFamily="18" charset="0"/>
+                    <a:cs typeface="Times New Roman" panose="02020603050405020304" pitchFamily="18" charset="0"/>
+                  </a:rPr>
+                  <a:t> and the other. I test three fans page about ‘food’ only, and the analysis I done is not enough too.</a:t>
+                </a:r>
+                <a:endParaRPr lang="en-US" altLang="zh-TW" sz="2400" dirty="0" smtClean="0">
+                  <a:latin typeface="Times New Roman" panose="02020603050405020304" pitchFamily="18" charset="0"/>
+                  <a:cs typeface="Times New Roman" panose="02020603050405020304" pitchFamily="18" charset="0"/>
+                </a:endParaRPr>
+              </a:p>
+              <a:p>
+                <a:pPr marL="0" indent="0">
+                  <a:buNone/>
+                </a:pPr>
+                <a:r>
+                  <a:rPr lang="en-US" altLang="zh-TW" sz="2400" dirty="0">
+                    <a:latin typeface="Times New Roman" panose="02020603050405020304" pitchFamily="18" charset="0"/>
+                    <a:cs typeface="Times New Roman" panose="02020603050405020304" pitchFamily="18" charset="0"/>
+                  </a:rPr>
+                  <a:t>	</a:t>
+                </a:r>
+                <a:r>
+                  <a:rPr lang="en-US" altLang="zh-TW" sz="2400" dirty="0" smtClean="0">
+                    <a:latin typeface="Times New Roman" panose="02020603050405020304" pitchFamily="18" charset="0"/>
+                    <a:cs typeface="Times New Roman" panose="02020603050405020304" pitchFamily="18" charset="0"/>
+                  </a:rPr>
+                  <a:t>In this final project, I spent a lot of time in learning how to use </a:t>
+                </a:r>
+                <a:r>
+                  <a:rPr lang="en-US" altLang="zh-TW" sz="2400" i="1" dirty="0" err="1" smtClean="0">
+                    <a:latin typeface="Times New Roman" panose="02020603050405020304" pitchFamily="18" charset="0"/>
+                    <a:cs typeface="Times New Roman" panose="02020603050405020304" pitchFamily="18" charset="0"/>
+                  </a:rPr>
+                  <a:t>pyes</a:t>
+                </a:r>
+                <a:r>
+                  <a:rPr lang="en-US" altLang="zh-TW" sz="2400" dirty="0" smtClean="0">
+                    <a:latin typeface="Times New Roman" panose="02020603050405020304" pitchFamily="18" charset="0"/>
+                    <a:cs typeface="Times New Roman" panose="02020603050405020304" pitchFamily="18" charset="0"/>
+                  </a:rPr>
+                  <a:t> and visualization. I had modified the sample code released on </a:t>
+                </a:r>
+                <a:r>
+                  <a:rPr lang="en-US" altLang="zh-TW" sz="2400" i="1" dirty="0" err="1" smtClean="0">
+                    <a:latin typeface="Times New Roman" panose="02020603050405020304" pitchFamily="18" charset="0"/>
+                    <a:cs typeface="Times New Roman" panose="02020603050405020304" pitchFamily="18" charset="0"/>
+                  </a:rPr>
+                  <a:t>moodle</a:t>
+                </a:r>
+                <a:r>
+                  <a:rPr lang="en-US" altLang="zh-TW" sz="2400" i="1" dirty="0" smtClean="0">
+                    <a:latin typeface="Times New Roman" panose="02020603050405020304" pitchFamily="18" charset="0"/>
+                    <a:cs typeface="Times New Roman" panose="02020603050405020304" pitchFamily="18" charset="0"/>
+                  </a:rPr>
+                  <a:t> </a:t>
+                </a:r>
+                <a:r>
+                  <a:rPr lang="en-US" altLang="zh-TW" sz="2400" dirty="0" smtClean="0">
+                    <a:latin typeface="Times New Roman" panose="02020603050405020304" pitchFamily="18" charset="0"/>
+                    <a:cs typeface="Times New Roman" panose="02020603050405020304" pitchFamily="18" charset="0"/>
+                  </a:rPr>
+                  <a:t>myself. Because I spent more time on learning &amp; coding, I think I should survey and practice more for the next-step analysis.</a:t>
+                </a:r>
+                <a:endParaRPr lang="en-US" altLang="zh-TW" sz="2400" dirty="0" smtClean="0">
+                  <a:latin typeface="Times New Roman" panose="02020603050405020304" pitchFamily="18" charset="0"/>
+                  <a:cs typeface="Times New Roman" panose="02020603050405020304" pitchFamily="18" charset="0"/>
+                </a:endParaRPr>
+              </a:p>
+            </p:txBody>
+          </p:sp>
+        </mc:Choice>
+        <mc:Fallback>
+          <p:sp>
+            <p:nvSpPr>
+              <p:cNvPr id="3" name="直排文字版面配置區 2"/>
+              <p:cNvSpPr>
+                <a:spLocks noGrp="1" noRot="1" noChangeAspect="1" noMove="1" noResize="1" noEditPoints="1" noAdjustHandles="1" noChangeArrowheads="1" noChangeShapeType="1" noTextEdit="1"/>
+              </p:cNvSpPr>
+              <p:nvPr>
+                <p:ph type="body" orient="vert" idx="1"/>
+              </p:nvPr>
+            </p:nvSpPr>
+            <p:spPr>
+              <a:xfrm>
+                <a:off x="1097280" y="2971800"/>
+                <a:ext cx="10058400" cy="2897293"/>
+              </a:xfrm>
+              <a:blipFill rotWithShape="0">
+                <a:blip r:embed="rId2"/>
+                <a:stretch>
+                  <a:fillRect l="-1394" t="-3158" r="-667"/>
+                </a:stretch>
+              </a:blipFill>
+            </p:spPr>
+            <p:txBody>
+              <a:bodyPr/>
+              <a:lstStyle/>
+              <a:p>
+                <a:r>
+                  <a:rPr lang="zh-TW" altLang="en-US">
+                    <a:noFill/>
+                  </a:rPr>
+                  <a:t> </a:t>
+                </a:r>
+              </a:p>
+            </p:txBody>
+          </p:sp>
+        </mc:Fallback>
+      </mc:AlternateContent>
       <p:sp>
         <p:nvSpPr>
           <p:cNvPr id="4" name="文字方塊 3"/>
@@ -4881,25 +5431,25 @@
           <a:lstStyle/>
           <a:p>
             <a:r>
+              <a:rPr lang="en-US" altLang="zh-TW" dirty="0" err="1" smtClean="0">
+                <a:latin typeface="GungsuhChe" panose="02030609000101010101" pitchFamily="49" charset="-127"/>
+                <a:ea typeface="GungsuhChe" panose="02030609000101010101" pitchFamily="49" charset="-127"/>
+              </a:rPr>
+              <a:t>SNA_final.ipynb</a:t>
+            </a:r>
+            <a:r>
               <a:rPr lang="en-US" altLang="zh-TW" dirty="0" smtClean="0">
                 <a:latin typeface="GungsuhChe" panose="02030609000101010101" pitchFamily="49" charset="-127"/>
                 <a:ea typeface="GungsuhChe" panose="02030609000101010101" pitchFamily="49" charset="-127"/>
               </a:rPr>
-              <a:t>Twitter-keywords-</a:t>
-            </a:r>
-            <a:r>
-              <a:rPr lang="en-US" altLang="zh-TW" dirty="0" err="1" smtClean="0">
-                <a:latin typeface="GungsuhChe" panose="02030609000101010101" pitchFamily="49" charset="-127"/>
-                <a:ea typeface="GungsuhChe" panose="02030609000101010101" pitchFamily="49" charset="-127"/>
-              </a:rPr>
-              <a:t>analysis.ipynb</a:t>
+              <a:t> </a:t>
             </a:r>
             <a:r>
               <a:rPr lang="en-US" altLang="zh-TW" dirty="0" smtClean="0">
                 <a:latin typeface="GungsuhChe" panose="02030609000101010101" pitchFamily="49" charset="-127"/>
                 <a:ea typeface="GungsuhChe" panose="02030609000101010101" pitchFamily="49" charset="-127"/>
               </a:rPr>
-              <a:t> </a:t>
+              <a:t/>
             </a:r>
             <a:br>
               <a:rPr lang="en-US" altLang="zh-TW" dirty="0" smtClean="0">
@@ -4908,12 +5458,12 @@
               </a:rPr>
             </a:br>
             <a:r>
-              <a:rPr lang="en-US" altLang="zh-TW" dirty="0" smtClean="0">
+              <a:rPr lang="en-US" altLang="zh-TW" dirty="0">
                 <a:latin typeface="GungsuhChe" panose="02030609000101010101" pitchFamily="49" charset="-127"/>
                 <a:ea typeface="GungsuhChe" panose="02030609000101010101" pitchFamily="49" charset="-127"/>
-                <a:hlinkClick r:id="rId2"/>
-              </a:rPr>
-              <a:t>https://github.com/YudBet/Social-Media-Analytics</a:t>
+                <a:hlinkClick r:id="rId3"/>
+              </a:rPr>
+              <a:t>https://github.com/YudBet/SNA_final</a:t>
             </a:r>
             <a:endParaRPr lang="zh-TW" altLang="en-US" dirty="0">
               <a:latin typeface="GungsuhChe" panose="02030609000101010101" pitchFamily="49" charset="-127"/>
@@ -4922,298 +5472,6 @@
           </a:p>
         </p:txBody>
       </p:sp>
-      <p:graphicFrame>
-        <p:nvGraphicFramePr>
-          <p:cNvPr id="5" name="表格 4"/>
-          <p:cNvGraphicFramePr>
-            <a:graphicFrameLocks noGrp="1"/>
-          </p:cNvGraphicFramePr>
-          <p:nvPr>
-            <p:extLst>
-              <p:ext uri="{D42A27DB-BD31-4B8C-83A1-F6EECF244321}">
-                <p14:modId xmlns:p14="http://schemas.microsoft.com/office/powerpoint/2010/main" val="2925650026"/>
-              </p:ext>
-            </p:extLst>
-          </p:nvPr>
-        </p:nvGraphicFramePr>
-        <p:xfrm>
-          <a:off x="2062480" y="4127884"/>
-          <a:ext cx="8128000" cy="1112520"/>
-        </p:xfrm>
-        <a:graphic>
-          <a:graphicData uri="http://schemas.openxmlformats.org/drawingml/2006/table">
-            <a:tbl>
-              <a:tblPr firstRow="1" bandRow="1">
-                <a:tableStyleId>{9D7B26C5-4107-4FEC-AEDC-1716B250A1EF}</a:tableStyleId>
-              </a:tblPr>
-              <a:tblGrid>
-                <a:gridCol w="2032000"/>
-                <a:gridCol w="2032000"/>
-                <a:gridCol w="2032000"/>
-                <a:gridCol w="2032000"/>
-              </a:tblGrid>
-              <a:tr h="370840">
-                <a:tc>
-                  <a:txBody>
-                    <a:bodyPr/>
-                    <a:lstStyle/>
-                    <a:p>
-                      <a:pPr algn="ctr"/>
-                      <a:r>
-                        <a:rPr lang="en-US" altLang="zh-TW" dirty="0" smtClean="0">
-                          <a:latin typeface="Times New Roman" panose="02020603050405020304" pitchFamily="18" charset="0"/>
-                          <a:cs typeface="Times New Roman" panose="02020603050405020304" pitchFamily="18" charset="0"/>
-                        </a:rPr>
-                        <a:t>keywords</a:t>
-                      </a:r>
-                      <a:endParaRPr lang="zh-TW" altLang="en-US" dirty="0">
-                        <a:latin typeface="Times New Roman" panose="02020603050405020304" pitchFamily="18" charset="0"/>
-                        <a:cs typeface="Times New Roman" panose="02020603050405020304" pitchFamily="18" charset="0"/>
-                      </a:endParaRPr>
-                    </a:p>
-                  </a:txBody>
-                  <a:tcPr/>
-                </a:tc>
-                <a:tc>
-                  <a:txBody>
-                    <a:bodyPr/>
-                    <a:lstStyle/>
-                    <a:p>
-                      <a:pPr algn="ctr"/>
-                      <a:r>
-                        <a:rPr lang="en-US" altLang="zh-TW" i="1" dirty="0" err="1" smtClean="0">
-                          <a:latin typeface="Times New Roman" panose="02020603050405020304" pitchFamily="18" charset="0"/>
-                          <a:cs typeface="Times New Roman" panose="02020603050405020304" pitchFamily="18" charset="0"/>
-                        </a:rPr>
-                        <a:t>cve</a:t>
-                      </a:r>
-                      <a:endParaRPr lang="zh-TW" altLang="en-US" i="1" dirty="0">
-                        <a:latin typeface="Times New Roman" panose="02020603050405020304" pitchFamily="18" charset="0"/>
-                        <a:cs typeface="Times New Roman" panose="02020603050405020304" pitchFamily="18" charset="0"/>
-                      </a:endParaRPr>
-                    </a:p>
-                  </a:txBody>
-                  <a:tcPr/>
-                </a:tc>
-                <a:tc>
-                  <a:txBody>
-                    <a:bodyPr/>
-                    <a:lstStyle/>
-                    <a:p>
-                      <a:pPr algn="ctr"/>
-                      <a:r>
-                        <a:rPr lang="en-US" altLang="zh-TW" i="1" dirty="0" smtClean="0">
-                          <a:latin typeface="Times New Roman" panose="02020603050405020304" pitchFamily="18" charset="0"/>
-                          <a:cs typeface="Times New Roman" panose="02020603050405020304" pitchFamily="18" charset="0"/>
-                        </a:rPr>
-                        <a:t>vulnerability</a:t>
-                      </a:r>
-                      <a:endParaRPr lang="zh-TW" altLang="en-US" i="1" dirty="0">
-                        <a:latin typeface="Times New Roman" panose="02020603050405020304" pitchFamily="18" charset="0"/>
-                        <a:cs typeface="Times New Roman" panose="02020603050405020304" pitchFamily="18" charset="0"/>
-                      </a:endParaRPr>
-                    </a:p>
-                  </a:txBody>
-                  <a:tcPr/>
-                </a:tc>
-                <a:tc>
-                  <a:txBody>
-                    <a:bodyPr/>
-                    <a:lstStyle/>
-                    <a:p>
-                      <a:pPr algn="ctr"/>
-                      <a:r>
-                        <a:rPr lang="en-US" altLang="zh-TW" i="1" dirty="0" smtClean="0">
-                          <a:latin typeface="Times New Roman" panose="02020603050405020304" pitchFamily="18" charset="0"/>
-                          <a:cs typeface="Times New Roman" panose="02020603050405020304" pitchFamily="18" charset="0"/>
-                        </a:rPr>
-                        <a:t>exploit</a:t>
-                      </a:r>
-                      <a:endParaRPr lang="zh-TW" altLang="en-US" i="1" dirty="0">
-                        <a:latin typeface="Times New Roman" panose="02020603050405020304" pitchFamily="18" charset="0"/>
-                        <a:cs typeface="Times New Roman" panose="02020603050405020304" pitchFamily="18" charset="0"/>
-                      </a:endParaRPr>
-                    </a:p>
-                  </a:txBody>
-                  <a:tcPr/>
-                </a:tc>
-              </a:tr>
-              <a:tr h="370840">
-                <a:tc>
-                  <a:txBody>
-                    <a:bodyPr/>
-                    <a:lstStyle/>
-                    <a:p>
-                      <a:pPr algn="ctr"/>
-                      <a:r>
-                        <a:rPr lang="en-US" altLang="zh-TW" dirty="0" smtClean="0">
-                          <a:latin typeface="Times New Roman" panose="02020603050405020304" pitchFamily="18" charset="0"/>
-                          <a:cs typeface="Times New Roman" panose="02020603050405020304" pitchFamily="18" charset="0"/>
-                        </a:rPr>
-                        <a:t>Twitter count</a:t>
-                      </a:r>
-                      <a:endParaRPr lang="zh-TW" altLang="en-US" dirty="0">
-                        <a:latin typeface="Times New Roman" panose="02020603050405020304" pitchFamily="18" charset="0"/>
-                        <a:cs typeface="Times New Roman" panose="02020603050405020304" pitchFamily="18" charset="0"/>
-                      </a:endParaRPr>
-                    </a:p>
-                  </a:txBody>
-                  <a:tcPr/>
-                </a:tc>
-                <a:tc>
-                  <a:txBody>
-                    <a:bodyPr/>
-                    <a:lstStyle/>
-                    <a:p>
-                      <a:pPr algn="ctr"/>
-                      <a:r>
-                        <a:rPr lang="en-US" altLang="zh-TW" dirty="0" smtClean="0">
-                          <a:latin typeface="Times New Roman" panose="02020603050405020304" pitchFamily="18" charset="0"/>
-                          <a:cs typeface="Times New Roman" panose="02020603050405020304" pitchFamily="18" charset="0"/>
-                        </a:rPr>
-                        <a:t>47</a:t>
-                      </a:r>
-                      <a:endParaRPr lang="zh-TW" altLang="en-US" dirty="0">
-                        <a:latin typeface="Times New Roman" panose="02020603050405020304" pitchFamily="18" charset="0"/>
-                        <a:cs typeface="Times New Roman" panose="02020603050405020304" pitchFamily="18" charset="0"/>
-                      </a:endParaRPr>
-                    </a:p>
-                  </a:txBody>
-                  <a:tcPr/>
-                </a:tc>
-                <a:tc>
-                  <a:txBody>
-                    <a:bodyPr/>
-                    <a:lstStyle/>
-                    <a:p>
-                      <a:pPr algn="ctr"/>
-                      <a:r>
-                        <a:rPr lang="en-US" altLang="zh-TW" dirty="0" smtClean="0">
-                          <a:latin typeface="Times New Roman" panose="02020603050405020304" pitchFamily="18" charset="0"/>
-                          <a:cs typeface="Times New Roman" panose="02020603050405020304" pitchFamily="18" charset="0"/>
-                        </a:rPr>
-                        <a:t>75</a:t>
-                      </a:r>
-                      <a:endParaRPr lang="zh-TW" altLang="en-US" dirty="0">
-                        <a:latin typeface="Times New Roman" panose="02020603050405020304" pitchFamily="18" charset="0"/>
-                        <a:cs typeface="Times New Roman" panose="02020603050405020304" pitchFamily="18" charset="0"/>
-                      </a:endParaRPr>
-                    </a:p>
-                  </a:txBody>
-                  <a:tcPr/>
-                </a:tc>
-                <a:tc>
-                  <a:txBody>
-                    <a:bodyPr/>
-                    <a:lstStyle/>
-                    <a:p>
-                      <a:pPr algn="ctr"/>
-                      <a:r>
-                        <a:rPr lang="en-US" altLang="zh-TW" dirty="0" smtClean="0">
-                          <a:latin typeface="Times New Roman" panose="02020603050405020304" pitchFamily="18" charset="0"/>
-                          <a:cs typeface="Times New Roman" panose="02020603050405020304" pitchFamily="18" charset="0"/>
-                        </a:rPr>
-                        <a:t>69</a:t>
-                      </a:r>
-                      <a:endParaRPr lang="zh-TW" altLang="en-US" dirty="0">
-                        <a:latin typeface="Times New Roman" panose="02020603050405020304" pitchFamily="18" charset="0"/>
-                        <a:cs typeface="Times New Roman" panose="02020603050405020304" pitchFamily="18" charset="0"/>
-                      </a:endParaRPr>
-                    </a:p>
-                  </a:txBody>
-                  <a:tcPr/>
-                </a:tc>
-              </a:tr>
-              <a:tr h="370840">
-                <a:tc>
-                  <a:txBody>
-                    <a:bodyPr/>
-                    <a:lstStyle/>
-                    <a:p>
-                      <a:pPr algn="ctr"/>
-                      <a:r>
-                        <a:rPr lang="en-US" altLang="zh-TW" dirty="0" smtClean="0">
-                          <a:latin typeface="Times New Roman" panose="02020603050405020304" pitchFamily="18" charset="0"/>
-                          <a:cs typeface="Times New Roman" panose="02020603050405020304" pitchFamily="18" charset="0"/>
-                        </a:rPr>
-                        <a:t>Tweet count</a:t>
-                      </a:r>
-                      <a:endParaRPr lang="zh-TW" altLang="en-US" dirty="0">
-                        <a:latin typeface="Times New Roman" panose="02020603050405020304" pitchFamily="18" charset="0"/>
-                        <a:cs typeface="Times New Roman" panose="02020603050405020304" pitchFamily="18" charset="0"/>
-                      </a:endParaRPr>
-                    </a:p>
-                  </a:txBody>
-                  <a:tcPr/>
-                </a:tc>
-                <a:tc>
-                  <a:txBody>
-                    <a:bodyPr/>
-                    <a:lstStyle/>
-                    <a:p>
-                      <a:pPr algn="ctr"/>
-                      <a:r>
-                        <a:rPr lang="en-US" altLang="zh-TW" dirty="0" smtClean="0">
-                          <a:latin typeface="Times New Roman" panose="02020603050405020304" pitchFamily="18" charset="0"/>
-                          <a:cs typeface="Times New Roman" panose="02020603050405020304" pitchFamily="18" charset="0"/>
-                        </a:rPr>
-                        <a:t>265</a:t>
-                      </a:r>
-                      <a:endParaRPr lang="zh-TW" altLang="en-US" dirty="0">
-                        <a:latin typeface="Times New Roman" panose="02020603050405020304" pitchFamily="18" charset="0"/>
-                        <a:cs typeface="Times New Roman" panose="02020603050405020304" pitchFamily="18" charset="0"/>
-                      </a:endParaRPr>
-                    </a:p>
-                  </a:txBody>
-                  <a:tcPr/>
-                </a:tc>
-                <a:tc>
-                  <a:txBody>
-                    <a:bodyPr/>
-                    <a:lstStyle/>
-                    <a:p>
-                      <a:pPr algn="ctr"/>
-                      <a:r>
-                        <a:rPr lang="en-US" altLang="zh-TW" dirty="0" smtClean="0">
-                          <a:latin typeface="Times New Roman" panose="02020603050405020304" pitchFamily="18" charset="0"/>
-                          <a:cs typeface="Times New Roman" panose="02020603050405020304" pitchFamily="18" charset="0"/>
-                        </a:rPr>
-                        <a:t>720</a:t>
-                      </a:r>
-                      <a:endParaRPr lang="zh-TW" altLang="en-US" dirty="0">
-                        <a:latin typeface="Times New Roman" panose="02020603050405020304" pitchFamily="18" charset="0"/>
-                        <a:cs typeface="Times New Roman" panose="02020603050405020304" pitchFamily="18" charset="0"/>
-                      </a:endParaRPr>
-                    </a:p>
-                  </a:txBody>
-                  <a:tcPr/>
-                </a:tc>
-                <a:tc>
-                  <a:txBody>
-                    <a:bodyPr/>
-                    <a:lstStyle/>
-                    <a:p>
-                      <a:pPr algn="ctr"/>
-                      <a:r>
-                        <a:rPr lang="en-US" altLang="zh-TW" dirty="0" smtClean="0">
-                          <a:latin typeface="Times New Roman" panose="02020603050405020304" pitchFamily="18" charset="0"/>
-                          <a:cs typeface="Times New Roman" panose="02020603050405020304" pitchFamily="18" charset="0"/>
-                        </a:rPr>
-                        <a:t>561</a:t>
-                      </a:r>
-                      <a:endParaRPr lang="zh-TW" altLang="en-US" dirty="0">
-                        <a:latin typeface="Times New Roman" panose="02020603050405020304" pitchFamily="18" charset="0"/>
-                        <a:cs typeface="Times New Roman" panose="02020603050405020304" pitchFamily="18" charset="0"/>
-                      </a:endParaRPr>
-                    </a:p>
-                  </a:txBody>
-                  <a:tcPr/>
-                </a:tc>
-              </a:tr>
-            </a:tbl>
-          </a:graphicData>
-        </a:graphic>
-      </p:graphicFrame>
     </p:spTree>
     <p:extLst>
       <p:ext uri="{BB962C8B-B14F-4D97-AF65-F5344CB8AC3E}">
@@ -5306,14 +5564,7 @@
                 <a:latin typeface="Times New Roman" panose="02020603050405020304" pitchFamily="18" charset="0"/>
                 <a:cs typeface="Times New Roman" panose="02020603050405020304" pitchFamily="18" charset="0"/>
               </a:rPr>
-              <a:t>01</a:t>
-            </a:r>
-            <a:r>
-              <a:rPr lang="en-US" altLang="zh-TW" dirty="0" smtClean="0">
-                <a:latin typeface="Times New Roman" panose="02020603050405020304" pitchFamily="18" charset="0"/>
-                <a:cs typeface="Times New Roman" panose="02020603050405020304" pitchFamily="18" charset="0"/>
-              </a:rPr>
-              <a:t>.15.2016</a:t>
+              <a:t>01.15.2016</a:t>
             </a:r>
             <a:endParaRPr lang="zh-TW" altLang="en-US" dirty="0">
               <a:latin typeface="Times New Roman" panose="02020603050405020304" pitchFamily="18" charset="0"/>
@@ -5412,19 +5663,8 @@
                 <a:latin typeface="Times New Roman" panose="02020603050405020304" pitchFamily="18" charset="0"/>
                 <a:cs typeface="Times New Roman" panose="02020603050405020304" pitchFamily="18" charset="0"/>
               </a:rPr>
-              <a:t> </a:t>
-            </a:r>
-            <a:r>
-              <a:rPr lang="en-US" altLang="zh-TW" sz="2800" dirty="0" smtClean="0">
-                <a:latin typeface="Times New Roman" panose="02020603050405020304" pitchFamily="18" charset="0"/>
-                <a:cs typeface="Times New Roman" panose="02020603050405020304" pitchFamily="18" charset="0"/>
-              </a:rPr>
-              <a:t>Background and observation</a:t>
-            </a:r>
-            <a:endParaRPr lang="en-US" altLang="zh-TW" sz="2800" dirty="0" smtClean="0">
-              <a:latin typeface="Times New Roman" panose="02020603050405020304" pitchFamily="18" charset="0"/>
-              <a:cs typeface="Times New Roman" panose="02020603050405020304" pitchFamily="18" charset="0"/>
-            </a:endParaRPr>
+              <a:t> Background and observation</a:t>
+            </a:r>
           </a:p>
           <a:p>
             <a:pPr>
@@ -5436,19 +5676,8 @@
                 <a:latin typeface="Times New Roman" panose="02020603050405020304" pitchFamily="18" charset="0"/>
                 <a:cs typeface="Times New Roman" panose="02020603050405020304" pitchFamily="18" charset="0"/>
               </a:rPr>
-              <a:t> </a:t>
-            </a:r>
-            <a:r>
-              <a:rPr lang="en-US" altLang="zh-TW" sz="2800" dirty="0" smtClean="0">
-                <a:latin typeface="Times New Roman" panose="02020603050405020304" pitchFamily="18" charset="0"/>
-                <a:cs typeface="Times New Roman" panose="02020603050405020304" pitchFamily="18" charset="0"/>
-              </a:rPr>
-              <a:t>Methods and purpose</a:t>
-            </a:r>
-            <a:endParaRPr lang="en-US" altLang="zh-TW" sz="2800" dirty="0" smtClean="0">
-              <a:latin typeface="Times New Roman" panose="02020603050405020304" pitchFamily="18" charset="0"/>
-              <a:cs typeface="Times New Roman" panose="02020603050405020304" pitchFamily="18" charset="0"/>
-            </a:endParaRPr>
+              <a:t> Methods and purpose</a:t>
+            </a:r>
           </a:p>
           <a:p>
             <a:pPr>
@@ -5460,14 +5689,7 @@
                 <a:latin typeface="Times New Roman" panose="02020603050405020304" pitchFamily="18" charset="0"/>
                 <a:cs typeface="Times New Roman" panose="02020603050405020304" pitchFamily="18" charset="0"/>
               </a:rPr>
-              <a:t> </a:t>
-            </a:r>
-            <a:r>
-              <a:rPr lang="en-US" altLang="zh-TW" sz="2800" dirty="0" smtClean="0">
-                <a:latin typeface="Times New Roman" panose="02020603050405020304" pitchFamily="18" charset="0"/>
-                <a:cs typeface="Times New Roman" panose="02020603050405020304" pitchFamily="18" charset="0"/>
-              </a:rPr>
-              <a:t>Data statistics</a:t>
+              <a:t> Data statistics</a:t>
             </a:r>
           </a:p>
           <a:p>
@@ -5615,14 +5837,7 @@
                 <a:latin typeface="Times New Roman" panose="02020603050405020304" pitchFamily="18" charset="0"/>
                 <a:cs typeface="Times New Roman" panose="02020603050405020304" pitchFamily="18" charset="0"/>
               </a:rPr>
-              <a:t> </a:t>
-            </a:r>
-            <a:r>
-              <a:rPr lang="en-US" altLang="zh-TW" sz="2800" dirty="0" smtClean="0">
-                <a:latin typeface="Times New Roman" panose="02020603050405020304" pitchFamily="18" charset="0"/>
-                <a:cs typeface="Times New Roman" panose="02020603050405020304" pitchFamily="18" charset="0"/>
-              </a:rPr>
-              <a:t>Category: Food/Beverages</a:t>
+              <a:t> Category: Food/Beverages</a:t>
             </a:r>
           </a:p>
           <a:p>
@@ -5862,14 +6077,7 @@
                 <a:latin typeface="Times New Roman" panose="02020603050405020304" pitchFamily="18" charset="0"/>
                 <a:cs typeface="Times New Roman" panose="02020603050405020304" pitchFamily="18" charset="0"/>
               </a:rPr>
-              <a:t> </a:t>
-            </a:r>
-            <a:r>
-              <a:rPr lang="en-US" altLang="zh-TW" sz="2800" dirty="0" smtClean="0">
-                <a:latin typeface="Times New Roman" panose="02020603050405020304" pitchFamily="18" charset="0"/>
-                <a:cs typeface="Times New Roman" panose="02020603050405020304" pitchFamily="18" charset="0"/>
-              </a:rPr>
-              <a:t>Three food/beverages fans pages</a:t>
+              <a:t> Three food/beverages fans pages</a:t>
             </a:r>
             <a:endParaRPr lang="en-US" altLang="zh-TW" sz="2600" dirty="0">
               <a:latin typeface="Times New Roman" panose="02020603050405020304" pitchFamily="18" charset="0"/>
@@ -5886,14 +6094,7 @@
                 <a:latin typeface="Times New Roman" panose="02020603050405020304" pitchFamily="18" charset="0"/>
                 <a:cs typeface="Times New Roman" panose="02020603050405020304" pitchFamily="18" charset="0"/>
               </a:rPr>
-              <a:t> </a:t>
-            </a:r>
-            <a:r>
-              <a:rPr lang="en-US" altLang="zh-TW" sz="2600" dirty="0" smtClean="0">
-                <a:latin typeface="Times New Roman" panose="02020603050405020304" pitchFamily="18" charset="0"/>
-                <a:cs typeface="Times New Roman" panose="02020603050405020304" pitchFamily="18" charset="0"/>
-              </a:rPr>
-              <a:t>Compare the social power between…</a:t>
+              <a:t> Compare the social power between…</a:t>
             </a:r>
           </a:p>
           <a:p>
@@ -5968,14 +6169,7 @@
                 <a:latin typeface="Times New Roman" panose="02020603050405020304" pitchFamily="18" charset="0"/>
                 <a:cs typeface="Times New Roman" panose="02020603050405020304" pitchFamily="18" charset="0"/>
               </a:rPr>
-              <a:t> </a:t>
-            </a:r>
-            <a:r>
-              <a:rPr lang="en-US" altLang="zh-TW" sz="2600" dirty="0">
-                <a:latin typeface="Times New Roman" panose="02020603050405020304" pitchFamily="18" charset="0"/>
-                <a:cs typeface="Times New Roman" panose="02020603050405020304" pitchFamily="18" charset="0"/>
-              </a:rPr>
-              <a:t>is using </a:t>
+              <a:t> is using </a:t>
             </a:r>
             <a:r>
               <a:rPr lang="en-US" altLang="zh-TW" sz="2600" i="1" dirty="0">
@@ -6166,14 +6360,7 @@
                 <a:latin typeface="Times New Roman" panose="02020603050405020304" pitchFamily="18" charset="0"/>
                 <a:cs typeface="Times New Roman" panose="02020603050405020304" pitchFamily="18" charset="0"/>
               </a:rPr>
-              <a:t> </a:t>
-            </a:r>
-            <a:r>
-              <a:rPr lang="en-US" altLang="zh-TW" sz="2800" dirty="0" smtClean="0">
-                <a:latin typeface="Times New Roman" panose="02020603050405020304" pitchFamily="18" charset="0"/>
-                <a:cs typeface="Times New Roman" panose="02020603050405020304" pitchFamily="18" charset="0"/>
-              </a:rPr>
-              <a:t>Pages using </a:t>
+              <a:t> Pages using </a:t>
             </a:r>
             <a:r>
               <a:rPr lang="en-US" altLang="zh-TW" sz="2800" i="1" dirty="0" smtClean="0">
@@ -6477,14 +6664,7 @@
                 <a:latin typeface="Times New Roman" panose="02020603050405020304" pitchFamily="18" charset="0"/>
                 <a:cs typeface="Times New Roman" panose="02020603050405020304" pitchFamily="18" charset="0"/>
               </a:rPr>
-              <a:t> </a:t>
-            </a:r>
-            <a:r>
-              <a:rPr lang="en-US" altLang="zh-TW" sz="2800" dirty="0" smtClean="0">
-                <a:latin typeface="Times New Roman" panose="02020603050405020304" pitchFamily="18" charset="0"/>
-                <a:cs typeface="Times New Roman" panose="02020603050405020304" pitchFamily="18" charset="0"/>
-              </a:rPr>
-              <a:t>Data: </a:t>
+              <a:t> Data: </a:t>
             </a:r>
             <a:r>
               <a:rPr lang="en-US" altLang="zh-TW" sz="2800" i="1" dirty="0" smtClean="0">
@@ -6565,10 +6745,6 @@
               </a:rPr>
               <a:t>Elasticsearch</a:t>
             </a:r>
-            <a:endParaRPr lang="en-US" altLang="zh-TW" sz="2400" i="1" dirty="0" smtClean="0">
-              <a:latin typeface="Times New Roman" panose="02020603050405020304" pitchFamily="18" charset="0"/>
-              <a:cs typeface="Times New Roman" panose="02020603050405020304" pitchFamily="18" charset="0"/>
-            </a:endParaRPr>
           </a:p>
           <a:p>
             <a:pPr lvl="1">
@@ -6603,10 +6779,6 @@
               </a:rPr>
               <a:t>100GB</a:t>
             </a:r>
-            <a:endParaRPr lang="en-US" altLang="zh-TW" sz="2400" dirty="0" smtClean="0">
-              <a:latin typeface="Times New Roman" panose="02020603050405020304" pitchFamily="18" charset="0"/>
-              <a:cs typeface="Times New Roman" panose="02020603050405020304" pitchFamily="18" charset="0"/>
-            </a:endParaRPr>
           </a:p>
           <a:p>
             <a:pPr>
@@ -6618,19 +6790,8 @@
                 <a:latin typeface="Times New Roman" panose="02020603050405020304" pitchFamily="18" charset="0"/>
                 <a:cs typeface="Times New Roman" panose="02020603050405020304" pitchFamily="18" charset="0"/>
               </a:rPr>
-              <a:t> </a:t>
-            </a:r>
-            <a:r>
-              <a:rPr lang="en-US" altLang="zh-TW" sz="2800" dirty="0" smtClean="0">
-                <a:latin typeface="Times New Roman" panose="02020603050405020304" pitchFamily="18" charset="0"/>
-                <a:cs typeface="Times New Roman" panose="02020603050405020304" pitchFamily="18" charset="0"/>
-              </a:rPr>
-              <a:t>Program</a:t>
-            </a:r>
-            <a:endParaRPr lang="en-US" altLang="zh-TW" sz="2800" dirty="0" smtClean="0">
-              <a:latin typeface="Times New Roman" panose="02020603050405020304" pitchFamily="18" charset="0"/>
-              <a:cs typeface="Times New Roman" panose="02020603050405020304" pitchFamily="18" charset="0"/>
-            </a:endParaRPr>
+              <a:t> Program</a:t>
+            </a:r>
           </a:p>
           <a:p>
             <a:pPr lvl="1">
